--- a/Review PPTs/PIP4004-Internship_Review-0.pptx
+++ b/Review PPTs/PIP4004-Internship_Review-0.pptx
@@ -9974,7 +9974,7 @@
               <a:pPr>
                 <a:defRPr/>
               </a:pPr>
-              <a:t>2/18/2025</a:t>
+              <a:t>2/20/2025</a:t>
             </a:fld>
             <a:endParaRPr lang="en-US"/>
           </a:p>
@@ -11365,7 +11365,7 @@
               <a:pPr>
                 <a:defRPr/>
               </a:pPr>
-              <a:t>2/18/2025</a:t>
+              <a:t>2/20/2025</a:t>
             </a:fld>
             <a:endParaRPr lang="en-US"/>
           </a:p>
@@ -11583,7 +11583,7 @@
               <a:pPr>
                 <a:defRPr/>
               </a:pPr>
-              <a:t>2/18/2025</a:t>
+              <a:t>2/20/2025</a:t>
             </a:fld>
             <a:endParaRPr lang="en-US"/>
           </a:p>
@@ -11811,7 +11811,7 @@
               <a:pPr>
                 <a:defRPr/>
               </a:pPr>
-              <a:t>2/18/2025</a:t>
+              <a:t>2/20/2025</a:t>
             </a:fld>
             <a:endParaRPr lang="en-US"/>
           </a:p>
@@ -12029,7 +12029,7 @@
               <a:pPr>
                 <a:defRPr/>
               </a:pPr>
-              <a:t>2/18/2025</a:t>
+              <a:t>2/20/2025</a:t>
             </a:fld>
             <a:endParaRPr lang="en-US"/>
           </a:p>
@@ -12323,7 +12323,7 @@
               <a:pPr>
                 <a:defRPr/>
               </a:pPr>
-              <a:t>2/18/2025</a:t>
+              <a:t>2/20/2025</a:t>
             </a:fld>
             <a:endParaRPr lang="en-US"/>
           </a:p>
@@ -12603,7 +12603,7 @@
               <a:pPr>
                 <a:defRPr/>
               </a:pPr>
-              <a:t>2/18/2025</a:t>
+              <a:t>2/20/2025</a:t>
             </a:fld>
             <a:endParaRPr lang="en-US"/>
           </a:p>
@@ -13018,7 +13018,7 @@
               <a:pPr>
                 <a:defRPr/>
               </a:pPr>
-              <a:t>2/18/2025</a:t>
+              <a:t>2/20/2025</a:t>
             </a:fld>
             <a:endParaRPr lang="en-US"/>
           </a:p>
@@ -13184,7 +13184,7 @@
               <a:pPr>
                 <a:defRPr/>
               </a:pPr>
-              <a:t>2/18/2025</a:t>
+              <a:t>2/20/2025</a:t>
             </a:fld>
             <a:endParaRPr lang="en-US"/>
           </a:p>
@@ -13327,7 +13327,7 @@
               <a:pPr>
                 <a:defRPr/>
               </a:pPr>
-              <a:t>2/18/2025</a:t>
+              <a:t>2/20/2025</a:t>
             </a:fld>
             <a:endParaRPr lang="en-US"/>
           </a:p>
@@ -13652,7 +13652,7 @@
               <a:pPr>
                 <a:defRPr/>
               </a:pPr>
-              <a:t>2/18/2025</a:t>
+              <a:t>2/20/2025</a:t>
             </a:fld>
             <a:endParaRPr lang="en-US"/>
           </a:p>
@@ -13960,7 +13960,7 @@
               <a:pPr>
                 <a:defRPr/>
               </a:pPr>
-              <a:t>2/18/2025</a:t>
+              <a:t>2/20/2025</a:t>
             </a:fld>
             <a:endParaRPr lang="en-US"/>
           </a:p>
@@ -14281,7 +14281,7 @@
               <a:pPr>
                 <a:defRPr/>
               </a:pPr>
-              <a:t>2/18/2025</a:t>
+              <a:t>2/20/2025</a:t>
             </a:fld>
             <a:endParaRPr lang="en-US"/>
           </a:p>
@@ -16237,43 +16237,22 @@
           </a:xfrm>
         </p:spPr>
         <p:txBody>
-          <a:bodyPr/>
+          <a:bodyPr anchor="ctr"/>
           <a:lstStyle/>
           <a:p>
             <a:pPr marL="0" indent="0" algn="ctr">
               <a:buNone/>
             </a:pPr>
-            <a:endParaRPr lang="en-US" dirty="0">
-              <a:hlinkClick r:id="rId2"/>
-            </a:endParaRPr>
-          </a:p>
-          <a:p>
-            <a:pPr marL="0" indent="0" algn="ctr">
-              <a:buNone/>
-            </a:pPr>
-            <a:endParaRPr lang="en-US" dirty="0">
-              <a:hlinkClick r:id="rId2"/>
-            </a:endParaRPr>
-          </a:p>
-          <a:p>
-            <a:pPr marL="0" indent="0" algn="ctr">
-              <a:buNone/>
-            </a:pPr>
-            <a:endParaRPr lang="en-US" dirty="0">
-              <a:hlinkClick r:id="rId2"/>
-            </a:endParaRPr>
-          </a:p>
-          <a:p>
-            <a:pPr marL="0" indent="0" algn="ctr">
-              <a:buNone/>
-            </a:pPr>
             <a:r>
               <a:rPr lang="en-US" dirty="0">
                 <a:hlinkClick r:id="rId2"/>
               </a:rPr>
-              <a:t>https://github.com/MedhaJeenoor/Development-Internship</a:t>
-            </a:r>
-            <a:endParaRPr lang="en-US" dirty="0"/>
+              <a:t>https://github.com/MedhaJeenoor/CormSquare-Development-Internship</a:t>
+            </a:r>
+            <a:r>
+              <a:rPr lang="en-US" dirty="0"/>
+              <a:t> </a:t>
+            </a:r>
           </a:p>
         </p:txBody>
       </p:sp>
